--- a/Tournaments/2023_01_RoboChallenge/PresentationSeat/PresentationSeet.pptx
+++ b/Tournaments/2023_01_RoboChallenge/PresentationSeat/PresentationSeet.pptx
@@ -197,7 +197,7 @@
           <a:p>
             <a:fld id="{112A8008-FDA3-410E-9738-B862D3BEBCE1}" type="datetimeFigureOut">
               <a:rPr kumimoji="1" lang="ja-JP" altLang="en-US" smtClean="0"/>
-              <a:t>2022/11/26</a:t>
+              <a:t>2023/4/12</a:t>
             </a:fld>
             <a:endParaRPr kumimoji="1" lang="ja-JP" altLang="en-US"/>
           </a:p>
@@ -716,7 +716,7 @@
           <a:p>
             <a:fld id="{7A01C935-5042-4AD5-A86E-5E275E957866}" type="datetimeFigureOut">
               <a:rPr kumimoji="1" lang="ja-JP" altLang="en-US" smtClean="0"/>
-              <a:t>2022/11/26</a:t>
+              <a:t>2023/4/12</a:t>
             </a:fld>
             <a:endParaRPr kumimoji="1" lang="ja-JP" altLang="en-US"/>
           </a:p>
@@ -918,7 +918,7 @@
           <a:p>
             <a:fld id="{7A01C935-5042-4AD5-A86E-5E275E957866}" type="datetimeFigureOut">
               <a:rPr kumimoji="1" lang="ja-JP" altLang="en-US" smtClean="0"/>
-              <a:t>2022/11/26</a:t>
+              <a:t>2023/4/12</a:t>
             </a:fld>
             <a:endParaRPr kumimoji="1" lang="ja-JP" altLang="en-US"/>
           </a:p>
@@ -1130,7 +1130,7 @@
           <a:p>
             <a:fld id="{7A01C935-5042-4AD5-A86E-5E275E957866}" type="datetimeFigureOut">
               <a:rPr kumimoji="1" lang="ja-JP" altLang="en-US" smtClean="0"/>
-              <a:t>2022/11/26</a:t>
+              <a:t>2023/4/12</a:t>
             </a:fld>
             <a:endParaRPr kumimoji="1" lang="ja-JP" altLang="en-US"/>
           </a:p>
@@ -1332,7 +1332,7 @@
           <a:p>
             <a:fld id="{7A01C935-5042-4AD5-A86E-5E275E957866}" type="datetimeFigureOut">
               <a:rPr kumimoji="1" lang="ja-JP" altLang="en-US" smtClean="0"/>
-              <a:t>2022/11/26</a:t>
+              <a:t>2023/4/12</a:t>
             </a:fld>
             <a:endParaRPr kumimoji="1" lang="ja-JP" altLang="en-US"/>
           </a:p>
@@ -1576,7 +1576,7 @@
           <a:p>
             <a:fld id="{7A01C935-5042-4AD5-A86E-5E275E957866}" type="datetimeFigureOut">
               <a:rPr kumimoji="1" lang="ja-JP" altLang="en-US" smtClean="0"/>
-              <a:t>2022/11/26</a:t>
+              <a:t>2023/4/12</a:t>
             </a:fld>
             <a:endParaRPr kumimoji="1" lang="ja-JP" altLang="en-US"/>
           </a:p>
@@ -1872,7 +1872,7 @@
           <a:p>
             <a:fld id="{7A01C935-5042-4AD5-A86E-5E275E957866}" type="datetimeFigureOut">
               <a:rPr kumimoji="1" lang="ja-JP" altLang="en-US" smtClean="0"/>
-              <a:t>2022/11/26</a:t>
+              <a:t>2023/4/12</a:t>
             </a:fld>
             <a:endParaRPr kumimoji="1" lang="ja-JP" altLang="en-US"/>
           </a:p>
@@ -2303,7 +2303,7 @@
           <a:p>
             <a:fld id="{7A01C935-5042-4AD5-A86E-5E275E957866}" type="datetimeFigureOut">
               <a:rPr kumimoji="1" lang="ja-JP" altLang="en-US" smtClean="0"/>
-              <a:t>2022/11/26</a:t>
+              <a:t>2023/4/12</a:t>
             </a:fld>
             <a:endParaRPr kumimoji="1" lang="ja-JP" altLang="en-US"/>
           </a:p>
@@ -2421,7 +2421,7 @@
           <a:p>
             <a:fld id="{7A01C935-5042-4AD5-A86E-5E275E957866}" type="datetimeFigureOut">
               <a:rPr kumimoji="1" lang="ja-JP" altLang="en-US" smtClean="0"/>
-              <a:t>2022/11/26</a:t>
+              <a:t>2023/4/12</a:t>
             </a:fld>
             <a:endParaRPr kumimoji="1" lang="ja-JP" altLang="en-US"/>
           </a:p>
@@ -2516,7 +2516,7 @@
           <a:p>
             <a:fld id="{7A01C935-5042-4AD5-A86E-5E275E957866}" type="datetimeFigureOut">
               <a:rPr kumimoji="1" lang="ja-JP" altLang="en-US" smtClean="0"/>
-              <a:t>2022/11/26</a:t>
+              <a:t>2023/4/12</a:t>
             </a:fld>
             <a:endParaRPr kumimoji="1" lang="ja-JP" altLang="en-US"/>
           </a:p>
@@ -2825,7 +2825,7 @@
           <a:p>
             <a:fld id="{7A01C935-5042-4AD5-A86E-5E275E957866}" type="datetimeFigureOut">
               <a:rPr kumimoji="1" lang="ja-JP" altLang="en-US" smtClean="0"/>
-              <a:t>2022/11/26</a:t>
+              <a:t>2023/4/12</a:t>
             </a:fld>
             <a:endParaRPr kumimoji="1" lang="ja-JP" altLang="en-US"/>
           </a:p>
@@ -3082,7 +3082,7 @@
           <a:p>
             <a:fld id="{7A01C935-5042-4AD5-A86E-5E275E957866}" type="datetimeFigureOut">
               <a:rPr kumimoji="1" lang="ja-JP" altLang="en-US" smtClean="0"/>
-              <a:t>2022/11/26</a:t>
+              <a:t>2023/4/12</a:t>
             </a:fld>
             <a:endParaRPr kumimoji="1" lang="ja-JP" altLang="en-US"/>
           </a:p>
@@ -3327,7 +3327,7 @@
           <a:p>
             <a:fld id="{7A01C935-5042-4AD5-A86E-5E275E957866}" type="datetimeFigureOut">
               <a:rPr kumimoji="1" lang="ja-JP" altLang="en-US" smtClean="0"/>
-              <a:t>2022/11/26</a:t>
+              <a:t>2023/4/12</a:t>
             </a:fld>
             <a:endParaRPr kumimoji="1" lang="ja-JP" altLang="en-US"/>
           </a:p>
@@ -3798,7 +3798,7 @@
           <p:cNvPr id="65" name="角丸四角形 97">
             <a:extLst>
               <a:ext uri="{FF2B5EF4-FFF2-40B4-BE49-F238E27FC236}">
-                <a16:creationId xmlns="" xmlns:a16="http://schemas.microsoft.com/office/drawing/2014/main" id="{CAFC0DCB-5EE6-8911-A0EE-1C0ACBE120BF}"/>
+                <a16:creationId xmlns:a16="http://schemas.microsoft.com/office/drawing/2014/main" xmlns="" id="{CAFC0DCB-5EE6-8911-A0EE-1C0ACBE120BF}"/>
               </a:ext>
             </a:extLst>
           </p:cNvPr>
@@ -4240,101 +4240,6 @@
                 <a:ea typeface="源ノ角ゴシック Code JP R" panose="020B0500000000000000" pitchFamily="34" charset="-128"/>
               </a:rPr>
               <a:t>チームメンバー</a:t>
-            </a:r>
-          </a:p>
-        </p:txBody>
-      </p:sp>
-      <p:sp>
-        <p:nvSpPr>
-          <p:cNvPr id="92" name="テキスト ボックス 91"/>
-          <p:cNvSpPr txBox="1"/>
-          <p:nvPr/>
-        </p:nvSpPr>
-        <p:spPr>
-          <a:xfrm>
-            <a:off x="3240398" y="330611"/>
-            <a:ext cx="4606955" cy="297902"/>
-          </a:xfrm>
-          <a:prstGeom prst="rect">
-            <a:avLst/>
-          </a:prstGeom>
-          <a:noFill/>
-        </p:spPr>
-        <p:txBody>
-          <a:bodyPr wrap="square" rtlCol="0">
-            <a:spAutoFit/>
-          </a:bodyPr>
-          <a:lstStyle/>
-          <a:p>
-            <a:r>
-              <a:rPr lang="ja-JP" altLang="en-US" sz="1336" dirty="0">
-                <a:solidFill>
-                  <a:schemeClr val="bg1"/>
-                </a:solidFill>
-                <a:latin typeface="源ノ角ゴシック Code JP R" panose="020B0500000000000000" pitchFamily="34" charset="-128"/>
-                <a:ea typeface="源ノ角ゴシック Code JP R" panose="020B0500000000000000" pitchFamily="34" charset="-128"/>
-              </a:rPr>
-              <a:t>熊抱 崚太 </a:t>
-            </a:r>
-            <a:r>
-              <a:rPr lang="en-US" altLang="ja-JP" sz="1336" dirty="0">
-                <a:solidFill>
-                  <a:schemeClr val="bg1"/>
-                </a:solidFill>
-                <a:latin typeface="源ノ角ゴシック Code JP R" panose="020B0500000000000000" pitchFamily="34" charset="-128"/>
-                <a:ea typeface="源ノ角ゴシック Code JP R" panose="020B0500000000000000" pitchFamily="34" charset="-128"/>
-              </a:rPr>
-              <a:t>/ </a:t>
-            </a:r>
-            <a:r>
-              <a:rPr lang="ja-JP" altLang="en-US" sz="1336" dirty="0">
-                <a:solidFill>
-                  <a:schemeClr val="bg1"/>
-                </a:solidFill>
-                <a:latin typeface="源ノ角ゴシック Code JP R" panose="020B0500000000000000" pitchFamily="34" charset="-128"/>
-                <a:ea typeface="源ノ角ゴシック Code JP R" panose="020B0500000000000000" pitchFamily="34" charset="-128"/>
-              </a:rPr>
-              <a:t>石原 廉太郎 </a:t>
-            </a:r>
-            <a:r>
-              <a:rPr lang="en-US" altLang="ja-JP" sz="1336" dirty="0">
-                <a:solidFill>
-                  <a:schemeClr val="bg1"/>
-                </a:solidFill>
-                <a:latin typeface="源ノ角ゴシック Code JP R" panose="020B0500000000000000" pitchFamily="34" charset="-128"/>
-                <a:ea typeface="源ノ角ゴシック Code JP R" panose="020B0500000000000000" pitchFamily="34" charset="-128"/>
-              </a:rPr>
-              <a:t>/</a:t>
-            </a:r>
-            <a:r>
-              <a:rPr lang="ja-JP" altLang="en-US" sz="1336" dirty="0">
-                <a:solidFill>
-                  <a:schemeClr val="bg1"/>
-                </a:solidFill>
-                <a:latin typeface="源ノ角ゴシック Code JP R" panose="020B0500000000000000" pitchFamily="34" charset="-128"/>
-                <a:ea typeface="源ノ角ゴシック Code JP R" panose="020B0500000000000000" pitchFamily="34" charset="-128"/>
-              </a:rPr>
-              <a:t> 松田 魁琉 </a:t>
-            </a:r>
-            <a:r>
-              <a:rPr lang="en-US" altLang="ja-JP" sz="1336" dirty="0">
-                <a:solidFill>
-                  <a:schemeClr val="bg1"/>
-                </a:solidFill>
-                <a:latin typeface="源ノ角ゴシック Code JP R" panose="020B0500000000000000" pitchFamily="34" charset="-128"/>
-                <a:ea typeface="源ノ角ゴシック Code JP R" panose="020B0500000000000000" pitchFamily="34" charset="-128"/>
-              </a:rPr>
-              <a:t>/</a:t>
-            </a:r>
-            <a:r>
-              <a:rPr lang="ja-JP" altLang="en-US" sz="1336" dirty="0">
-                <a:solidFill>
-                  <a:schemeClr val="bg1"/>
-                </a:solidFill>
-                <a:latin typeface="源ノ角ゴシック Code JP R" panose="020B0500000000000000" pitchFamily="34" charset="-128"/>
-                <a:ea typeface="源ノ角ゴシック Code JP R" panose="020B0500000000000000" pitchFamily="34" charset="-128"/>
-              </a:rPr>
-              <a:t> 目野 優輝 </a:t>
             </a:r>
           </a:p>
         </p:txBody>
@@ -8352,17 +8257,7 @@
                 <a:latin typeface="源ノ角ゴシック Code JP L" panose="020B0300000000000000" pitchFamily="34" charset="-128"/>
                 <a:ea typeface="源ノ角ゴシック Code JP L" panose="020B0300000000000000" pitchFamily="34" charset="-128"/>
               </a:rPr>
-              <a:t>つに</a:t>
-            </a:r>
-            <a:r>
-              <a:rPr lang="ja-JP" altLang="en-US" sz="1200" dirty="0">
-                <a:solidFill>
-                  <a:schemeClr val="bg1"/>
-                </a:solidFill>
-                <a:latin typeface="源ノ角ゴシック Code JP L" panose="020B0300000000000000" pitchFamily="34" charset="-128"/>
-                <a:ea typeface="源ノ角ゴシック Code JP L" panose="020B0300000000000000" pitchFamily="34" charset="-128"/>
-              </a:rPr>
-              <a:t>分ける必要がありました。</a:t>
+              <a:t>つに分ける必要がありました。</a:t>
             </a:r>
             <a:endParaRPr lang="en-US" altLang="ja-JP" sz="1200" dirty="0">
               <a:solidFill>
@@ -9984,7 +9879,7 @@
           <p:cNvPr id="24" name="図 23">
             <a:extLst>
               <a:ext uri="{FF2B5EF4-FFF2-40B4-BE49-F238E27FC236}">
-                <a16:creationId xmlns="" xmlns:a16="http://schemas.microsoft.com/office/drawing/2014/main" id="{38164A6C-0691-9201-B00C-47BB12CE7D1E}"/>
+                <a16:creationId xmlns:a16="http://schemas.microsoft.com/office/drawing/2014/main" xmlns="" id="{38164A6C-0691-9201-B00C-47BB12CE7D1E}"/>
               </a:ext>
             </a:extLst>
           </p:cNvPr>
@@ -10014,7 +9909,7 @@
           <p:cNvPr id="31" name="図 30">
             <a:extLst>
               <a:ext uri="{FF2B5EF4-FFF2-40B4-BE49-F238E27FC236}">
-                <a16:creationId xmlns="" xmlns:a16="http://schemas.microsoft.com/office/drawing/2014/main" id="{5A506B3D-14EF-F923-B6A8-4D972CAF3B96}"/>
+                <a16:creationId xmlns:a16="http://schemas.microsoft.com/office/drawing/2014/main" xmlns="" id="{5A506B3D-14EF-F923-B6A8-4D972CAF3B96}"/>
               </a:ext>
             </a:extLst>
           </p:cNvPr>
@@ -10044,7 +9939,7 @@
           <p:cNvPr id="28" name="図 27">
             <a:extLst>
               <a:ext uri="{FF2B5EF4-FFF2-40B4-BE49-F238E27FC236}">
-                <a16:creationId xmlns="" xmlns:a16="http://schemas.microsoft.com/office/drawing/2014/main" id="{77585FF6-C77A-5041-43BB-C8D171A6EC8F}"/>
+                <a16:creationId xmlns:a16="http://schemas.microsoft.com/office/drawing/2014/main" xmlns="" id="{77585FF6-C77A-5041-43BB-C8D171A6EC8F}"/>
               </a:ext>
             </a:extLst>
           </p:cNvPr>
@@ -10079,7 +9974,7 @@
           <p:cNvPr id="40" name="図 39">
             <a:extLst>
               <a:ext uri="{FF2B5EF4-FFF2-40B4-BE49-F238E27FC236}">
-                <a16:creationId xmlns="" xmlns:a16="http://schemas.microsoft.com/office/drawing/2014/main" id="{81467D52-0506-0C1C-0284-1E442AD8755D}"/>
+                <a16:creationId xmlns:a16="http://schemas.microsoft.com/office/drawing/2014/main" xmlns="" id="{81467D52-0506-0C1C-0284-1E442AD8755D}"/>
               </a:ext>
             </a:extLst>
           </p:cNvPr>
@@ -10114,7 +10009,7 @@
           <p:cNvPr id="48" name="図 47">
             <a:extLst>
               <a:ext uri="{FF2B5EF4-FFF2-40B4-BE49-F238E27FC236}">
-                <a16:creationId xmlns="" xmlns:a16="http://schemas.microsoft.com/office/drawing/2014/main" id="{857B7C14-6842-D79E-276B-D2271C79BD4B}"/>
+                <a16:creationId xmlns:a16="http://schemas.microsoft.com/office/drawing/2014/main" xmlns="" id="{857B7C14-6842-D79E-276B-D2271C79BD4B}"/>
               </a:ext>
             </a:extLst>
           </p:cNvPr>
@@ -10150,7 +10045,7 @@
           <p:cNvPr id="52" name="テキスト ボックス 51">
             <a:extLst>
               <a:ext uri="{FF2B5EF4-FFF2-40B4-BE49-F238E27FC236}">
-                <a16:creationId xmlns="" xmlns:a16="http://schemas.microsoft.com/office/drawing/2014/main" id="{A472C61C-A096-A46F-A4B5-0E922B6B9144}"/>
+                <a16:creationId xmlns:a16="http://schemas.microsoft.com/office/drawing/2014/main" xmlns="" id="{A472C61C-A096-A46F-A4B5-0E922B6B9144}"/>
               </a:ext>
             </a:extLst>
           </p:cNvPr>
@@ -10283,7 +10178,7 @@
           <p:cNvPr id="62" name="テキスト ボックス 61">
             <a:extLst>
               <a:ext uri="{FF2B5EF4-FFF2-40B4-BE49-F238E27FC236}">
-                <a16:creationId xmlns="" xmlns:a16="http://schemas.microsoft.com/office/drawing/2014/main" id="{A7DD28DE-32A9-9F89-81CA-8CA6719E654A}"/>
+                <a16:creationId xmlns:a16="http://schemas.microsoft.com/office/drawing/2014/main" xmlns="" id="{A7DD28DE-32A9-9F89-81CA-8CA6719E654A}"/>
               </a:ext>
             </a:extLst>
           </p:cNvPr>
@@ -10674,7 +10569,7 @@
           <p:cNvPr id="63" name="テキスト ボックス 62">
             <a:extLst>
               <a:ext uri="{FF2B5EF4-FFF2-40B4-BE49-F238E27FC236}">
-                <a16:creationId xmlns="" xmlns:a16="http://schemas.microsoft.com/office/drawing/2014/main" id="{A2B646FE-DAB8-D4CE-9F5A-1C8989D6717E}"/>
+                <a16:creationId xmlns:a16="http://schemas.microsoft.com/office/drawing/2014/main" xmlns="" id="{A2B646FE-DAB8-D4CE-9F5A-1C8989D6717E}"/>
               </a:ext>
             </a:extLst>
           </p:cNvPr>
@@ -10729,7 +10624,7 @@
           <p:cNvPr id="64" name="図 63">
             <a:extLst>
               <a:ext uri="{FF2B5EF4-FFF2-40B4-BE49-F238E27FC236}">
-                <a16:creationId xmlns="" xmlns:a16="http://schemas.microsoft.com/office/drawing/2014/main" id="{BF3FCCA7-C87F-6FA7-E38C-1BC500AE6465}"/>
+                <a16:creationId xmlns:a16="http://schemas.microsoft.com/office/drawing/2014/main" xmlns="" id="{BF3FCCA7-C87F-6FA7-E38C-1BC500AE6465}"/>
               </a:ext>
             </a:extLst>
           </p:cNvPr>
@@ -10765,7 +10660,7 @@
           <p:cNvPr id="66" name="正方形/長方形 65">
             <a:extLst>
               <a:ext uri="{FF2B5EF4-FFF2-40B4-BE49-F238E27FC236}">
-                <a16:creationId xmlns="" xmlns:a16="http://schemas.microsoft.com/office/drawing/2014/main" id="{EA5DED32-B827-5EFB-9CEC-FE5DA8D2E6F1}"/>
+                <a16:creationId xmlns:a16="http://schemas.microsoft.com/office/drawing/2014/main" xmlns="" id="{EA5DED32-B827-5EFB-9CEC-FE5DA8D2E6F1}"/>
               </a:ext>
             </a:extLst>
           </p:cNvPr>
@@ -10824,7 +10719,7 @@
           <p:cNvPr id="69" name="角丸四角形 128">
             <a:extLst>
               <a:ext uri="{FF2B5EF4-FFF2-40B4-BE49-F238E27FC236}">
-                <a16:creationId xmlns="" xmlns:a16="http://schemas.microsoft.com/office/drawing/2014/main" id="{29A81747-1FC5-AC83-A68F-B6EEC99B2C19}"/>
+                <a16:creationId xmlns:a16="http://schemas.microsoft.com/office/drawing/2014/main" xmlns="" id="{29A81747-1FC5-AC83-A68F-B6EEC99B2C19}"/>
               </a:ext>
             </a:extLst>
           </p:cNvPr>
@@ -10903,7 +10798,7 @@
           <p:cNvPr id="74" name="図 73">
             <a:extLst>
               <a:ext uri="{FF2B5EF4-FFF2-40B4-BE49-F238E27FC236}">
-                <a16:creationId xmlns="" xmlns:a16="http://schemas.microsoft.com/office/drawing/2014/main" id="{CDD13DBC-64C8-ACF0-0E64-879CC0436E43}"/>
+                <a16:creationId xmlns:a16="http://schemas.microsoft.com/office/drawing/2014/main" xmlns="" id="{CDD13DBC-64C8-ACF0-0E64-879CC0436E43}"/>
               </a:ext>
             </a:extLst>
           </p:cNvPr>
@@ -10959,7 +10854,7 @@
           <p:cNvPr id="77" name="テキスト ボックス 76">
             <a:extLst>
               <a:ext uri="{FF2B5EF4-FFF2-40B4-BE49-F238E27FC236}">
-                <a16:creationId xmlns="" xmlns:a16="http://schemas.microsoft.com/office/drawing/2014/main" id="{78CEEC29-2B11-04B6-896C-7D5D043363F0}"/>
+                <a16:creationId xmlns:a16="http://schemas.microsoft.com/office/drawing/2014/main" xmlns="" id="{78CEEC29-2B11-04B6-896C-7D5D043363F0}"/>
               </a:ext>
             </a:extLst>
           </p:cNvPr>
@@ -11029,7 +10924,7 @@
           <p:cNvPr id="78" name="角丸四角形 130">
             <a:extLst>
               <a:ext uri="{FF2B5EF4-FFF2-40B4-BE49-F238E27FC236}">
-                <a16:creationId xmlns="" xmlns:a16="http://schemas.microsoft.com/office/drawing/2014/main" id="{2382C259-A660-9F33-FB38-6981D656DBE7}"/>
+                <a16:creationId xmlns:a16="http://schemas.microsoft.com/office/drawing/2014/main" xmlns="" id="{2382C259-A660-9F33-FB38-6981D656DBE7}"/>
               </a:ext>
             </a:extLst>
           </p:cNvPr>
@@ -11116,7 +11011,7 @@
           <p:cNvPr id="94" name="テキスト ボックス 93">
             <a:extLst>
               <a:ext uri="{FF2B5EF4-FFF2-40B4-BE49-F238E27FC236}">
-                <a16:creationId xmlns="" xmlns:a16="http://schemas.microsoft.com/office/drawing/2014/main" id="{5CE56ED0-24C6-6459-8226-4517620DAF58}"/>
+                <a16:creationId xmlns:a16="http://schemas.microsoft.com/office/drawing/2014/main" xmlns="" id="{5CE56ED0-24C6-6459-8226-4517620DAF58}"/>
               </a:ext>
             </a:extLst>
           </p:cNvPr>
@@ -11213,7 +11108,7 @@
           <p:cNvPr id="95" name="正方形/長方形 94">
             <a:extLst>
               <a:ext uri="{FF2B5EF4-FFF2-40B4-BE49-F238E27FC236}">
-                <a16:creationId xmlns="" xmlns:a16="http://schemas.microsoft.com/office/drawing/2014/main" id="{4C39E94C-A3AD-222E-9128-AB360E1B8C12}"/>
+                <a16:creationId xmlns:a16="http://schemas.microsoft.com/office/drawing/2014/main" xmlns="" id="{4C39E94C-A3AD-222E-9128-AB360E1B8C12}"/>
               </a:ext>
             </a:extLst>
           </p:cNvPr>
@@ -11272,7 +11167,7 @@
           <p:cNvPr id="96" name="テキスト ボックス 95">
             <a:extLst>
               <a:ext uri="{FF2B5EF4-FFF2-40B4-BE49-F238E27FC236}">
-                <a16:creationId xmlns="" xmlns:a16="http://schemas.microsoft.com/office/drawing/2014/main" id="{03AA5D03-CA41-8037-CDFB-E3971D87D0B4}"/>
+                <a16:creationId xmlns:a16="http://schemas.microsoft.com/office/drawing/2014/main" xmlns="" id="{03AA5D03-CA41-8037-CDFB-E3971D87D0B4}"/>
               </a:ext>
             </a:extLst>
           </p:cNvPr>
@@ -11316,7 +11211,7 @@
           <p:cNvPr id="97" name="テキスト ボックス 96">
             <a:extLst>
               <a:ext uri="{FF2B5EF4-FFF2-40B4-BE49-F238E27FC236}">
-                <a16:creationId xmlns="" xmlns:a16="http://schemas.microsoft.com/office/drawing/2014/main" id="{476F9393-740B-F82A-9020-94D19CF95676}"/>
+                <a16:creationId xmlns:a16="http://schemas.microsoft.com/office/drawing/2014/main" xmlns="" id="{476F9393-740B-F82A-9020-94D19CF95676}"/>
               </a:ext>
             </a:extLst>
           </p:cNvPr>
@@ -11360,7 +11255,7 @@
           <p:cNvPr id="99" name="正方形/長方形 98">
             <a:extLst>
               <a:ext uri="{FF2B5EF4-FFF2-40B4-BE49-F238E27FC236}">
-                <a16:creationId xmlns="" xmlns:a16="http://schemas.microsoft.com/office/drawing/2014/main" id="{0BB55FE2-CE28-1096-65C9-13DBCE898BD2}"/>
+                <a16:creationId xmlns:a16="http://schemas.microsoft.com/office/drawing/2014/main" xmlns="" id="{0BB55FE2-CE28-1096-65C9-13DBCE898BD2}"/>
               </a:ext>
             </a:extLst>
           </p:cNvPr>
@@ -11419,7 +11314,7 @@
           <p:cNvPr id="100" name="角丸四角形 143">
             <a:extLst>
               <a:ext uri="{FF2B5EF4-FFF2-40B4-BE49-F238E27FC236}">
-                <a16:creationId xmlns="" xmlns:a16="http://schemas.microsoft.com/office/drawing/2014/main" id="{2801A203-A0AC-B0E4-9E39-F2D97202FEB3}"/>
+                <a16:creationId xmlns:a16="http://schemas.microsoft.com/office/drawing/2014/main" xmlns="" id="{2801A203-A0AC-B0E4-9E39-F2D97202FEB3}"/>
               </a:ext>
             </a:extLst>
           </p:cNvPr>
@@ -11504,7 +11399,7 @@
           <p:cNvPr id="101" name="テキスト ボックス 100">
             <a:extLst>
               <a:ext uri="{FF2B5EF4-FFF2-40B4-BE49-F238E27FC236}">
-                <a16:creationId xmlns="" xmlns:a16="http://schemas.microsoft.com/office/drawing/2014/main" id="{F96CD000-5110-E13E-30B6-8162136477F5}"/>
+                <a16:creationId xmlns:a16="http://schemas.microsoft.com/office/drawing/2014/main" xmlns="" id="{F96CD000-5110-E13E-30B6-8162136477F5}"/>
               </a:ext>
             </a:extLst>
           </p:cNvPr>
@@ -11564,7 +11459,7 @@
           <p:cNvPr id="102" name="図 101">
             <a:extLst>
               <a:ext uri="{FF2B5EF4-FFF2-40B4-BE49-F238E27FC236}">
-                <a16:creationId xmlns="" xmlns:a16="http://schemas.microsoft.com/office/drawing/2014/main" id="{C7274083-3724-3B96-322B-B5CD09AABCF2}"/>
+                <a16:creationId xmlns:a16="http://schemas.microsoft.com/office/drawing/2014/main" xmlns="" id="{C7274083-3724-3B96-322B-B5CD09AABCF2}"/>
               </a:ext>
             </a:extLst>
           </p:cNvPr>
@@ -11600,7 +11495,7 @@
           <p:cNvPr id="103" name="角丸四角形 145">
             <a:extLst>
               <a:ext uri="{FF2B5EF4-FFF2-40B4-BE49-F238E27FC236}">
-                <a16:creationId xmlns="" xmlns:a16="http://schemas.microsoft.com/office/drawing/2014/main" id="{63B9DAA6-F7FA-5BF3-C4CA-5A2013F4BA7D}"/>
+                <a16:creationId xmlns:a16="http://schemas.microsoft.com/office/drawing/2014/main" xmlns="" id="{63B9DAA6-F7FA-5BF3-C4CA-5A2013F4BA7D}"/>
               </a:ext>
             </a:extLst>
           </p:cNvPr>
@@ -11687,7 +11582,7 @@
           <p:cNvPr id="140" name="テキスト ボックス 139">
             <a:extLst>
               <a:ext uri="{FF2B5EF4-FFF2-40B4-BE49-F238E27FC236}">
-                <a16:creationId xmlns="" xmlns:a16="http://schemas.microsoft.com/office/drawing/2014/main" id="{2B65FDED-DE2F-A2D1-124E-AC7D82A638DA}"/>
+                <a16:creationId xmlns:a16="http://schemas.microsoft.com/office/drawing/2014/main" xmlns="" id="{2B65FDED-DE2F-A2D1-124E-AC7D82A638DA}"/>
               </a:ext>
             </a:extLst>
           </p:cNvPr>
@@ -11735,7 +11630,7 @@
           <p:cNvPr id="141" name="角丸四角形 150">
             <a:extLst>
               <a:ext uri="{FF2B5EF4-FFF2-40B4-BE49-F238E27FC236}">
-                <a16:creationId xmlns="" xmlns:a16="http://schemas.microsoft.com/office/drawing/2014/main" id="{891C8EEC-8821-3A5D-3EF2-686EA82BF72A}"/>
+                <a16:creationId xmlns:a16="http://schemas.microsoft.com/office/drawing/2014/main" xmlns="" id="{891C8EEC-8821-3A5D-3EF2-686EA82BF72A}"/>
               </a:ext>
             </a:extLst>
           </p:cNvPr>
@@ -11820,7 +11715,7 @@
           <p:cNvPr id="173" name="図 172">
             <a:extLst>
               <a:ext uri="{FF2B5EF4-FFF2-40B4-BE49-F238E27FC236}">
-                <a16:creationId xmlns="" xmlns:a16="http://schemas.microsoft.com/office/drawing/2014/main" id="{87A02D6A-E3A8-8ECF-EC25-23FED9328BC9}"/>
+                <a16:creationId xmlns:a16="http://schemas.microsoft.com/office/drawing/2014/main" xmlns="" id="{87A02D6A-E3A8-8ECF-EC25-23FED9328BC9}"/>
               </a:ext>
             </a:extLst>
           </p:cNvPr>
@@ -11856,7 +11751,7 @@
           <p:cNvPr id="176" name="正方形/長方形 175">
             <a:extLst>
               <a:ext uri="{FF2B5EF4-FFF2-40B4-BE49-F238E27FC236}">
-                <a16:creationId xmlns="" xmlns:a16="http://schemas.microsoft.com/office/drawing/2014/main" id="{DFFA5EFE-5CE7-BA81-1732-5F3D632E5FBD}"/>
+                <a16:creationId xmlns:a16="http://schemas.microsoft.com/office/drawing/2014/main" xmlns="" id="{DFFA5EFE-5CE7-BA81-1732-5F3D632E5FBD}"/>
               </a:ext>
             </a:extLst>
           </p:cNvPr>
@@ -11915,7 +11810,7 @@
           <p:cNvPr id="186" name="テキスト ボックス 185">
             <a:extLst>
               <a:ext uri="{FF2B5EF4-FFF2-40B4-BE49-F238E27FC236}">
-                <a16:creationId xmlns="" xmlns:a16="http://schemas.microsoft.com/office/drawing/2014/main" id="{FBB78CF4-00DA-420D-0F5E-B8D56619B74C}"/>
+                <a16:creationId xmlns:a16="http://schemas.microsoft.com/office/drawing/2014/main" xmlns="" id="{FBB78CF4-00DA-420D-0F5E-B8D56619B74C}"/>
               </a:ext>
             </a:extLst>
           </p:cNvPr>
@@ -11959,7 +11854,7 @@
           <p:cNvPr id="187" name="テキスト ボックス 186">
             <a:extLst>
               <a:ext uri="{FF2B5EF4-FFF2-40B4-BE49-F238E27FC236}">
-                <a16:creationId xmlns="" xmlns:a16="http://schemas.microsoft.com/office/drawing/2014/main" id="{18DF08CD-51BA-2C7A-6913-82A8E2D41668}"/>
+                <a16:creationId xmlns:a16="http://schemas.microsoft.com/office/drawing/2014/main" xmlns="" id="{18DF08CD-51BA-2C7A-6913-82A8E2D41668}"/>
               </a:ext>
             </a:extLst>
           </p:cNvPr>
@@ -12007,7 +11902,7 @@
           <p:cNvPr id="204" name="正方形/長方形 203">
             <a:extLst>
               <a:ext uri="{FF2B5EF4-FFF2-40B4-BE49-F238E27FC236}">
-                <a16:creationId xmlns="" xmlns:a16="http://schemas.microsoft.com/office/drawing/2014/main" id="{A5476181-34E5-C3DC-0636-3C79D32384CB}"/>
+                <a16:creationId xmlns:a16="http://schemas.microsoft.com/office/drawing/2014/main" xmlns="" id="{A5476181-34E5-C3DC-0636-3C79D32384CB}"/>
               </a:ext>
             </a:extLst>
           </p:cNvPr>
@@ -12072,7 +11967,7 @@
           <p:cNvPr id="217" name="角丸四角形 153">
             <a:extLst>
               <a:ext uri="{FF2B5EF4-FFF2-40B4-BE49-F238E27FC236}">
-                <a16:creationId xmlns="" xmlns:a16="http://schemas.microsoft.com/office/drawing/2014/main" id="{A9493373-E6CE-89D1-FDA4-276275D6E11E}"/>
+                <a16:creationId xmlns:a16="http://schemas.microsoft.com/office/drawing/2014/main" xmlns="" id="{A9493373-E6CE-89D1-FDA4-276275D6E11E}"/>
               </a:ext>
             </a:extLst>
           </p:cNvPr>
@@ -12157,7 +12052,7 @@
           <p:cNvPr id="218" name="テキスト ボックス 217">
             <a:extLst>
               <a:ext uri="{FF2B5EF4-FFF2-40B4-BE49-F238E27FC236}">
-                <a16:creationId xmlns="" xmlns:a16="http://schemas.microsoft.com/office/drawing/2014/main" id="{F12195D9-F4D2-11F2-C13B-69D6F66E820A}"/>
+                <a16:creationId xmlns:a16="http://schemas.microsoft.com/office/drawing/2014/main" xmlns="" id="{F12195D9-F4D2-11F2-C13B-69D6F66E820A}"/>
               </a:ext>
             </a:extLst>
           </p:cNvPr>
@@ -12205,7 +12100,7 @@
           <p:cNvPr id="220" name="角丸四角形 155">
             <a:extLst>
               <a:ext uri="{FF2B5EF4-FFF2-40B4-BE49-F238E27FC236}">
-                <a16:creationId xmlns="" xmlns:a16="http://schemas.microsoft.com/office/drawing/2014/main" id="{F182E1DF-F13A-5551-27ED-FDF9011F525B}"/>
+                <a16:creationId xmlns:a16="http://schemas.microsoft.com/office/drawing/2014/main" xmlns="" id="{F182E1DF-F13A-5551-27ED-FDF9011F525B}"/>
               </a:ext>
             </a:extLst>
           </p:cNvPr>
@@ -12290,7 +12185,7 @@
           <p:cNvPr id="231" name="正方形/長方形 230">
             <a:extLst>
               <a:ext uri="{FF2B5EF4-FFF2-40B4-BE49-F238E27FC236}">
-                <a16:creationId xmlns="" xmlns:a16="http://schemas.microsoft.com/office/drawing/2014/main" id="{D00B7FFD-E9C2-7677-104F-7BF59BF2D7D5}"/>
+                <a16:creationId xmlns:a16="http://schemas.microsoft.com/office/drawing/2014/main" xmlns="" id="{D00B7FFD-E9C2-7677-104F-7BF59BF2D7D5}"/>
               </a:ext>
             </a:extLst>
           </p:cNvPr>
@@ -12355,7 +12250,7 @@
           <p:cNvPr id="232" name="テキスト ボックス 231">
             <a:extLst>
               <a:ext uri="{FF2B5EF4-FFF2-40B4-BE49-F238E27FC236}">
-                <a16:creationId xmlns="" xmlns:a16="http://schemas.microsoft.com/office/drawing/2014/main" id="{F62B2932-327D-6187-DF76-04692F31E38D}"/>
+                <a16:creationId xmlns:a16="http://schemas.microsoft.com/office/drawing/2014/main" xmlns="" id="{F62B2932-327D-6187-DF76-04692F31E38D}"/>
               </a:ext>
             </a:extLst>
           </p:cNvPr>
@@ -12403,7 +12298,7 @@
           <p:cNvPr id="234" name="正方形/長方形 233">
             <a:extLst>
               <a:ext uri="{FF2B5EF4-FFF2-40B4-BE49-F238E27FC236}">
-                <a16:creationId xmlns="" xmlns:a16="http://schemas.microsoft.com/office/drawing/2014/main" id="{91F40CE4-0E3D-F843-59C0-F2BE74436D9C}"/>
+                <a16:creationId xmlns:a16="http://schemas.microsoft.com/office/drawing/2014/main" xmlns="" id="{91F40CE4-0E3D-F843-59C0-F2BE74436D9C}"/>
               </a:ext>
             </a:extLst>
           </p:cNvPr>
@@ -12466,7 +12361,7 @@
           <p:cNvPr id="236" name="角丸四角形 159">
             <a:extLst>
               <a:ext uri="{FF2B5EF4-FFF2-40B4-BE49-F238E27FC236}">
-                <a16:creationId xmlns="" xmlns:a16="http://schemas.microsoft.com/office/drawing/2014/main" id="{45646C23-C7AF-33EB-17F5-EB4B2CACDB55}"/>
+                <a16:creationId xmlns:a16="http://schemas.microsoft.com/office/drawing/2014/main" xmlns="" id="{45646C23-C7AF-33EB-17F5-EB4B2CACDB55}"/>
               </a:ext>
             </a:extLst>
           </p:cNvPr>
@@ -12551,7 +12446,7 @@
           <p:cNvPr id="237" name="テキスト ボックス 236">
             <a:extLst>
               <a:ext uri="{FF2B5EF4-FFF2-40B4-BE49-F238E27FC236}">
-                <a16:creationId xmlns="" xmlns:a16="http://schemas.microsoft.com/office/drawing/2014/main" id="{37891754-3345-DADB-A642-C8D869386508}"/>
+                <a16:creationId xmlns:a16="http://schemas.microsoft.com/office/drawing/2014/main" xmlns="" id="{37891754-3345-DADB-A642-C8D869386508}"/>
               </a:ext>
             </a:extLst>
           </p:cNvPr>
@@ -12599,7 +12494,7 @@
           <p:cNvPr id="238" name="正方形/長方形 237">
             <a:extLst>
               <a:ext uri="{FF2B5EF4-FFF2-40B4-BE49-F238E27FC236}">
-                <a16:creationId xmlns="" xmlns:a16="http://schemas.microsoft.com/office/drawing/2014/main" id="{C292C4A7-02C8-C9DC-EE93-62B01DDE04BE}"/>
+                <a16:creationId xmlns:a16="http://schemas.microsoft.com/office/drawing/2014/main" xmlns="" id="{C292C4A7-02C8-C9DC-EE93-62B01DDE04BE}"/>
               </a:ext>
             </a:extLst>
           </p:cNvPr>
@@ -12662,7 +12557,7 @@
           <p:cNvPr id="239" name="角丸四角形 161">
             <a:extLst>
               <a:ext uri="{FF2B5EF4-FFF2-40B4-BE49-F238E27FC236}">
-                <a16:creationId xmlns="" xmlns:a16="http://schemas.microsoft.com/office/drawing/2014/main" id="{691E2F79-CFE9-ABAE-CE1D-02B381D436F5}"/>
+                <a16:creationId xmlns:a16="http://schemas.microsoft.com/office/drawing/2014/main" xmlns="" id="{691E2F79-CFE9-ABAE-CE1D-02B381D436F5}"/>
               </a:ext>
             </a:extLst>
           </p:cNvPr>
@@ -12747,7 +12642,7 @@
           <p:cNvPr id="241" name="テキスト ボックス 240">
             <a:extLst>
               <a:ext uri="{FF2B5EF4-FFF2-40B4-BE49-F238E27FC236}">
-                <a16:creationId xmlns="" xmlns:a16="http://schemas.microsoft.com/office/drawing/2014/main" id="{5FE4EA62-BC3F-5EB9-E853-E73FF4D19445}"/>
+                <a16:creationId xmlns:a16="http://schemas.microsoft.com/office/drawing/2014/main" xmlns="" id="{5FE4EA62-BC3F-5EB9-E853-E73FF4D19445}"/>
               </a:ext>
             </a:extLst>
           </p:cNvPr>
@@ -12817,7 +12712,7 @@
           <p:cNvPr id="247" name="正方形/長方形 246">
             <a:extLst>
               <a:ext uri="{FF2B5EF4-FFF2-40B4-BE49-F238E27FC236}">
-                <a16:creationId xmlns="" xmlns:a16="http://schemas.microsoft.com/office/drawing/2014/main" id="{BA3980A5-BA53-89A7-4C78-07268791AF28}"/>
+                <a16:creationId xmlns:a16="http://schemas.microsoft.com/office/drawing/2014/main" xmlns="" id="{BA3980A5-BA53-89A7-4C78-07268791AF28}"/>
               </a:ext>
             </a:extLst>
           </p:cNvPr>
@@ -12882,7 +12777,7 @@
           <p:cNvPr id="248" name="角丸四角形 167">
             <a:extLst>
               <a:ext uri="{FF2B5EF4-FFF2-40B4-BE49-F238E27FC236}">
-                <a16:creationId xmlns="" xmlns:a16="http://schemas.microsoft.com/office/drawing/2014/main" id="{64FBFE00-0215-1DD2-943F-424B5D09D4F7}"/>
+                <a16:creationId xmlns:a16="http://schemas.microsoft.com/office/drawing/2014/main" xmlns="" id="{64FBFE00-0215-1DD2-943F-424B5D09D4F7}"/>
               </a:ext>
             </a:extLst>
           </p:cNvPr>
@@ -12967,7 +12862,7 @@
           <p:cNvPr id="249" name="テキスト ボックス 248">
             <a:extLst>
               <a:ext uri="{FF2B5EF4-FFF2-40B4-BE49-F238E27FC236}">
-                <a16:creationId xmlns="" xmlns:a16="http://schemas.microsoft.com/office/drawing/2014/main" id="{C0406E68-6956-EAC1-85D7-0D72F170EC39}"/>
+                <a16:creationId xmlns:a16="http://schemas.microsoft.com/office/drawing/2014/main" xmlns="" id="{C0406E68-6956-EAC1-85D7-0D72F170EC39}"/>
               </a:ext>
             </a:extLst>
           </p:cNvPr>
@@ -13015,7 +12910,7 @@
           <p:cNvPr id="250" name="角丸四角形 170">
             <a:extLst>
               <a:ext uri="{FF2B5EF4-FFF2-40B4-BE49-F238E27FC236}">
-                <a16:creationId xmlns="" xmlns:a16="http://schemas.microsoft.com/office/drawing/2014/main" id="{53EF2442-3902-CEA9-CA70-C1EEA823268A}"/>
+                <a16:creationId xmlns:a16="http://schemas.microsoft.com/office/drawing/2014/main" xmlns="" id="{53EF2442-3902-CEA9-CA70-C1EEA823268A}"/>
               </a:ext>
             </a:extLst>
           </p:cNvPr>
@@ -13098,7 +12993,7 @@
           <p:cNvPr id="251" name="テキスト ボックス 250">
             <a:extLst>
               <a:ext uri="{FF2B5EF4-FFF2-40B4-BE49-F238E27FC236}">
-                <a16:creationId xmlns="" xmlns:a16="http://schemas.microsoft.com/office/drawing/2014/main" id="{730FB271-C404-62AE-BC17-909405BEC651}"/>
+                <a16:creationId xmlns:a16="http://schemas.microsoft.com/office/drawing/2014/main" xmlns="" id="{730FB271-C404-62AE-BC17-909405BEC651}"/>
               </a:ext>
             </a:extLst>
           </p:cNvPr>
@@ -13146,7 +13041,7 @@
           <p:cNvPr id="252" name="正方形/長方形 251">
             <a:extLst>
               <a:ext uri="{FF2B5EF4-FFF2-40B4-BE49-F238E27FC236}">
-                <a16:creationId xmlns="" xmlns:a16="http://schemas.microsoft.com/office/drawing/2014/main" id="{CA787A9A-8F5D-E6DE-2BF0-7C980F6B231E}"/>
+                <a16:creationId xmlns:a16="http://schemas.microsoft.com/office/drawing/2014/main" xmlns="" id="{CA787A9A-8F5D-E6DE-2BF0-7C980F6B231E}"/>
               </a:ext>
             </a:extLst>
           </p:cNvPr>
@@ -13209,7 +13104,7 @@
           <p:cNvPr id="253" name="テキスト ボックス 252">
             <a:extLst>
               <a:ext uri="{FF2B5EF4-FFF2-40B4-BE49-F238E27FC236}">
-                <a16:creationId xmlns="" xmlns:a16="http://schemas.microsoft.com/office/drawing/2014/main" id="{ECC66FFF-62A7-E9BF-32AF-EC2A160C555F}"/>
+                <a16:creationId xmlns:a16="http://schemas.microsoft.com/office/drawing/2014/main" xmlns="" id="{ECC66FFF-62A7-E9BF-32AF-EC2A160C555F}"/>
               </a:ext>
             </a:extLst>
           </p:cNvPr>
@@ -13253,7 +13148,7 @@
           <p:cNvPr id="254" name="正方形/長方形 253">
             <a:extLst>
               <a:ext uri="{FF2B5EF4-FFF2-40B4-BE49-F238E27FC236}">
-                <a16:creationId xmlns="" xmlns:a16="http://schemas.microsoft.com/office/drawing/2014/main" id="{538952ED-01B4-63D8-3171-6941DF1BE651}"/>
+                <a16:creationId xmlns:a16="http://schemas.microsoft.com/office/drawing/2014/main" xmlns="" id="{538952ED-01B4-63D8-3171-6941DF1BE651}"/>
               </a:ext>
             </a:extLst>
           </p:cNvPr>
@@ -13318,7 +13213,7 @@
           <p:cNvPr id="255" name="テキスト ボックス 254">
             <a:extLst>
               <a:ext uri="{FF2B5EF4-FFF2-40B4-BE49-F238E27FC236}">
-                <a16:creationId xmlns="" xmlns:a16="http://schemas.microsoft.com/office/drawing/2014/main" id="{1F0F6F98-1940-3730-6D80-90BEAA8B0CC4}"/>
+                <a16:creationId xmlns:a16="http://schemas.microsoft.com/office/drawing/2014/main" xmlns="" id="{1F0F6F98-1940-3730-6D80-90BEAA8B0CC4}"/>
               </a:ext>
             </a:extLst>
           </p:cNvPr>
@@ -13368,7 +13263,7 @@
           <p:cNvPr id="256" name="正方形/長方形 255">
             <a:extLst>
               <a:ext uri="{FF2B5EF4-FFF2-40B4-BE49-F238E27FC236}">
-                <a16:creationId xmlns="" xmlns:a16="http://schemas.microsoft.com/office/drawing/2014/main" id="{95B291E6-86F4-4CB3-8350-B7AD7CFB3F66}"/>
+                <a16:creationId xmlns:a16="http://schemas.microsoft.com/office/drawing/2014/main" xmlns="" id="{95B291E6-86F4-4CB3-8350-B7AD7CFB3F66}"/>
               </a:ext>
             </a:extLst>
           </p:cNvPr>
@@ -13433,7 +13328,7 @@
           <p:cNvPr id="257" name="正方形/長方形 256">
             <a:extLst>
               <a:ext uri="{FF2B5EF4-FFF2-40B4-BE49-F238E27FC236}">
-                <a16:creationId xmlns="" xmlns:a16="http://schemas.microsoft.com/office/drawing/2014/main" id="{9855BC17-438D-DFB1-B52A-95FD3DA5A4A7}"/>
+                <a16:creationId xmlns:a16="http://schemas.microsoft.com/office/drawing/2014/main" xmlns="" id="{9855BC17-438D-DFB1-B52A-95FD3DA5A4A7}"/>
               </a:ext>
             </a:extLst>
           </p:cNvPr>
@@ -13498,7 +13393,7 @@
           <p:cNvPr id="258" name="正方形/長方形 257">
             <a:extLst>
               <a:ext uri="{FF2B5EF4-FFF2-40B4-BE49-F238E27FC236}">
-                <a16:creationId xmlns="" xmlns:a16="http://schemas.microsoft.com/office/drawing/2014/main" id="{12D4D0E3-3C44-2FF7-B4F4-6AEEBFCF9516}"/>
+                <a16:creationId xmlns:a16="http://schemas.microsoft.com/office/drawing/2014/main" xmlns="" id="{12D4D0E3-3C44-2FF7-B4F4-6AEEBFCF9516}"/>
               </a:ext>
             </a:extLst>
           </p:cNvPr>
@@ -13557,7 +13452,7 @@
           <p:cNvPr id="259" name="テキスト ボックス 258">
             <a:extLst>
               <a:ext uri="{FF2B5EF4-FFF2-40B4-BE49-F238E27FC236}">
-                <a16:creationId xmlns="" xmlns:a16="http://schemas.microsoft.com/office/drawing/2014/main" id="{0EF89A23-A25B-CEB4-1E64-689491141986}"/>
+                <a16:creationId xmlns:a16="http://schemas.microsoft.com/office/drawing/2014/main" xmlns="" id="{0EF89A23-A25B-CEB4-1E64-689491141986}"/>
               </a:ext>
             </a:extLst>
           </p:cNvPr>
@@ -13601,7 +13496,7 @@
           <p:cNvPr id="260" name="角丸四角形 71">
             <a:extLst>
               <a:ext uri="{FF2B5EF4-FFF2-40B4-BE49-F238E27FC236}">
-                <a16:creationId xmlns="" xmlns:a16="http://schemas.microsoft.com/office/drawing/2014/main" id="{B0020982-05F4-CB20-6167-0AE404DD7C8B}"/>
+                <a16:creationId xmlns:a16="http://schemas.microsoft.com/office/drawing/2014/main" xmlns="" id="{B0020982-05F4-CB20-6167-0AE404DD7C8B}"/>
               </a:ext>
             </a:extLst>
           </p:cNvPr>
@@ -13686,7 +13581,7 @@
           <p:cNvPr id="261" name="角丸四角形 72">
             <a:extLst>
               <a:ext uri="{FF2B5EF4-FFF2-40B4-BE49-F238E27FC236}">
-                <a16:creationId xmlns="" xmlns:a16="http://schemas.microsoft.com/office/drawing/2014/main" id="{FC6F8D5E-B434-82B4-C50B-E673111E2A48}"/>
+                <a16:creationId xmlns:a16="http://schemas.microsoft.com/office/drawing/2014/main" xmlns="" id="{FC6F8D5E-B434-82B4-C50B-E673111E2A48}"/>
               </a:ext>
             </a:extLst>
           </p:cNvPr>
@@ -13771,7 +13666,7 @@
           <p:cNvPr id="262" name="テキスト ボックス 261">
             <a:extLst>
               <a:ext uri="{FF2B5EF4-FFF2-40B4-BE49-F238E27FC236}">
-                <a16:creationId xmlns="" xmlns:a16="http://schemas.microsoft.com/office/drawing/2014/main" id="{998D0B3E-8555-0AEA-2D93-F308E6FE8C17}"/>
+                <a16:creationId xmlns:a16="http://schemas.microsoft.com/office/drawing/2014/main" xmlns="" id="{998D0B3E-8555-0AEA-2D93-F308E6FE8C17}"/>
               </a:ext>
             </a:extLst>
           </p:cNvPr>
@@ -13819,7 +13714,7 @@
           <p:cNvPr id="263" name="テキスト ボックス 262">
             <a:extLst>
               <a:ext uri="{FF2B5EF4-FFF2-40B4-BE49-F238E27FC236}">
-                <a16:creationId xmlns="" xmlns:a16="http://schemas.microsoft.com/office/drawing/2014/main" id="{620F7458-5DE5-2356-E0D6-660FDCC1F4B7}"/>
+                <a16:creationId xmlns:a16="http://schemas.microsoft.com/office/drawing/2014/main" xmlns="" id="{620F7458-5DE5-2356-E0D6-660FDCC1F4B7}"/>
               </a:ext>
             </a:extLst>
           </p:cNvPr>
@@ -13867,7 +13762,7 @@
           <p:cNvPr id="264" name="角丸四角形 81">
             <a:extLst>
               <a:ext uri="{FF2B5EF4-FFF2-40B4-BE49-F238E27FC236}">
-                <a16:creationId xmlns="" xmlns:a16="http://schemas.microsoft.com/office/drawing/2014/main" id="{C5C5AB39-E839-921F-0DC9-35833F14EB75}"/>
+                <a16:creationId xmlns:a16="http://schemas.microsoft.com/office/drawing/2014/main" xmlns="" id="{C5C5AB39-E839-921F-0DC9-35833F14EB75}"/>
               </a:ext>
             </a:extLst>
           </p:cNvPr>
@@ -13952,7 +13847,7 @@
           <p:cNvPr id="265" name="テキスト ボックス 264">
             <a:extLst>
               <a:ext uri="{FF2B5EF4-FFF2-40B4-BE49-F238E27FC236}">
-                <a16:creationId xmlns="" xmlns:a16="http://schemas.microsoft.com/office/drawing/2014/main" id="{0C9A2A2B-9875-C99E-5B26-2EE245C63C5F}"/>
+                <a16:creationId xmlns:a16="http://schemas.microsoft.com/office/drawing/2014/main" xmlns="" id="{0C9A2A2B-9875-C99E-5B26-2EE245C63C5F}"/>
               </a:ext>
             </a:extLst>
           </p:cNvPr>
@@ -14022,7 +13917,7 @@
           <p:cNvPr id="266" name="テキスト ボックス 265">
             <a:extLst>
               <a:ext uri="{FF2B5EF4-FFF2-40B4-BE49-F238E27FC236}">
-                <a16:creationId xmlns="" xmlns:a16="http://schemas.microsoft.com/office/drawing/2014/main" id="{0E3E9C76-A71A-EC78-3DC4-BF639A49ED43}"/>
+                <a16:creationId xmlns:a16="http://schemas.microsoft.com/office/drawing/2014/main" xmlns="" id="{0E3E9C76-A71A-EC78-3DC4-BF639A49ED43}"/>
               </a:ext>
             </a:extLst>
           </p:cNvPr>
@@ -14072,7 +13967,7 @@
           <p:cNvPr id="267" name="テキスト ボックス 266">
             <a:extLst>
               <a:ext uri="{FF2B5EF4-FFF2-40B4-BE49-F238E27FC236}">
-                <a16:creationId xmlns="" xmlns:a16="http://schemas.microsoft.com/office/drawing/2014/main" id="{A4A03BC1-DAA8-B205-7558-9776B70A17C6}"/>
+                <a16:creationId xmlns:a16="http://schemas.microsoft.com/office/drawing/2014/main" xmlns="" id="{A4A03BC1-DAA8-B205-7558-9776B70A17C6}"/>
               </a:ext>
             </a:extLst>
           </p:cNvPr>
@@ -14122,7 +14017,7 @@
           <p:cNvPr id="268" name="テキスト ボックス 267">
             <a:extLst>
               <a:ext uri="{FF2B5EF4-FFF2-40B4-BE49-F238E27FC236}">
-                <a16:creationId xmlns="" xmlns:a16="http://schemas.microsoft.com/office/drawing/2014/main" id="{2C3AC99A-4426-438B-5B40-48FAEC8E662C}"/>
+                <a16:creationId xmlns:a16="http://schemas.microsoft.com/office/drawing/2014/main" xmlns="" id="{2C3AC99A-4426-438B-5B40-48FAEC8E662C}"/>
               </a:ext>
             </a:extLst>
           </p:cNvPr>
@@ -14172,7 +14067,7 @@
           <p:cNvPr id="269" name="正方形/長方形 268">
             <a:extLst>
               <a:ext uri="{FF2B5EF4-FFF2-40B4-BE49-F238E27FC236}">
-                <a16:creationId xmlns="" xmlns:a16="http://schemas.microsoft.com/office/drawing/2014/main" id="{EEC1698F-BAA4-98F4-C599-C6661BB2157F}"/>
+                <a16:creationId xmlns:a16="http://schemas.microsoft.com/office/drawing/2014/main" xmlns="" id="{EEC1698F-BAA4-98F4-C599-C6661BB2157F}"/>
               </a:ext>
             </a:extLst>
           </p:cNvPr>
@@ -14237,7 +14132,7 @@
           <p:cNvPr id="270" name="正方形/長方形 269">
             <a:extLst>
               <a:ext uri="{FF2B5EF4-FFF2-40B4-BE49-F238E27FC236}">
-                <a16:creationId xmlns="" xmlns:a16="http://schemas.microsoft.com/office/drawing/2014/main" id="{0100DCA7-713F-F5CD-034A-AD6F4CDB8B9E}"/>
+                <a16:creationId xmlns:a16="http://schemas.microsoft.com/office/drawing/2014/main" xmlns="" id="{0100DCA7-713F-F5CD-034A-AD6F4CDB8B9E}"/>
               </a:ext>
             </a:extLst>
           </p:cNvPr>
@@ -14302,7 +14197,7 @@
           <p:cNvPr id="271" name="テキスト ボックス 270">
             <a:extLst>
               <a:ext uri="{FF2B5EF4-FFF2-40B4-BE49-F238E27FC236}">
-                <a16:creationId xmlns="" xmlns:a16="http://schemas.microsoft.com/office/drawing/2014/main" id="{7AAD5C27-7F78-60A0-F9AC-914767241A8C}"/>
+                <a16:creationId xmlns:a16="http://schemas.microsoft.com/office/drawing/2014/main" xmlns="" id="{7AAD5C27-7F78-60A0-F9AC-914767241A8C}"/>
               </a:ext>
             </a:extLst>
           </p:cNvPr>
@@ -14352,7 +14247,7 @@
           <p:cNvPr id="272" name="テキスト ボックス 271">
             <a:extLst>
               <a:ext uri="{FF2B5EF4-FFF2-40B4-BE49-F238E27FC236}">
-                <a16:creationId xmlns="" xmlns:a16="http://schemas.microsoft.com/office/drawing/2014/main" id="{16C72727-70F4-A2FA-58E1-22396B9CF943}"/>
+                <a16:creationId xmlns:a16="http://schemas.microsoft.com/office/drawing/2014/main" xmlns="" id="{16C72727-70F4-A2FA-58E1-22396B9CF943}"/>
               </a:ext>
             </a:extLst>
           </p:cNvPr>
@@ -14402,7 +14297,7 @@
           <p:cNvPr id="273" name="図 272">
             <a:extLst>
               <a:ext uri="{FF2B5EF4-FFF2-40B4-BE49-F238E27FC236}">
-                <a16:creationId xmlns="" xmlns:a16="http://schemas.microsoft.com/office/drawing/2014/main" id="{16AE81E4-3A72-9D90-6D93-0C1F2E4F361D}"/>
+                <a16:creationId xmlns:a16="http://schemas.microsoft.com/office/drawing/2014/main" xmlns="" id="{16AE81E4-3A72-9D90-6D93-0C1F2E4F361D}"/>
               </a:ext>
             </a:extLst>
           </p:cNvPr>
@@ -14437,7 +14332,7 @@
           <p:cNvPr id="274" name="図 273">
             <a:extLst>
               <a:ext uri="{FF2B5EF4-FFF2-40B4-BE49-F238E27FC236}">
-                <a16:creationId xmlns="" xmlns:a16="http://schemas.microsoft.com/office/drawing/2014/main" id="{5D062873-589F-31B9-0E05-05088490D7CC}"/>
+                <a16:creationId xmlns:a16="http://schemas.microsoft.com/office/drawing/2014/main" xmlns="" id="{5D062873-589F-31B9-0E05-05088490D7CC}"/>
               </a:ext>
             </a:extLst>
           </p:cNvPr>
@@ -14473,7 +14368,7 @@
           <p:cNvPr id="275" name="図 274">
             <a:extLst>
               <a:ext uri="{FF2B5EF4-FFF2-40B4-BE49-F238E27FC236}">
-                <a16:creationId xmlns="" xmlns:a16="http://schemas.microsoft.com/office/drawing/2014/main" id="{D7F474B3-AC19-5BEA-F212-A62BDC15F4C2}"/>
+                <a16:creationId xmlns:a16="http://schemas.microsoft.com/office/drawing/2014/main" xmlns="" id="{D7F474B3-AC19-5BEA-F212-A62BDC15F4C2}"/>
               </a:ext>
             </a:extLst>
           </p:cNvPr>
@@ -14509,7 +14404,7 @@
           <p:cNvPr id="276" name="図 275">
             <a:extLst>
               <a:ext uri="{FF2B5EF4-FFF2-40B4-BE49-F238E27FC236}">
-                <a16:creationId xmlns="" xmlns:a16="http://schemas.microsoft.com/office/drawing/2014/main" id="{72C7119A-9276-F4A0-818E-C82D346616F7}"/>
+                <a16:creationId xmlns:a16="http://schemas.microsoft.com/office/drawing/2014/main" xmlns="" id="{72C7119A-9276-F4A0-818E-C82D346616F7}"/>
               </a:ext>
             </a:extLst>
           </p:cNvPr>
@@ -14545,7 +14440,7 @@
           <p:cNvPr id="277" name="カギ線コネクタ 24">
             <a:extLst>
               <a:ext uri="{FF2B5EF4-FFF2-40B4-BE49-F238E27FC236}">
-                <a16:creationId xmlns="" xmlns:a16="http://schemas.microsoft.com/office/drawing/2014/main" id="{5D7611CD-E508-D785-92E4-A12A386B0D57}"/>
+                <a16:creationId xmlns:a16="http://schemas.microsoft.com/office/drawing/2014/main" xmlns="" id="{5D7611CD-E508-D785-92E4-A12A386B0D57}"/>
               </a:ext>
             </a:extLst>
           </p:cNvPr>
@@ -14590,7 +14485,7 @@
           <p:cNvPr id="278" name="テキスト ボックス 277">
             <a:extLst>
               <a:ext uri="{FF2B5EF4-FFF2-40B4-BE49-F238E27FC236}">
-                <a16:creationId xmlns="" xmlns:a16="http://schemas.microsoft.com/office/drawing/2014/main" id="{83F10B4A-9E82-3879-6896-E6CB277E193A}"/>
+                <a16:creationId xmlns:a16="http://schemas.microsoft.com/office/drawing/2014/main" xmlns="" id="{83F10B4A-9E82-3879-6896-E6CB277E193A}"/>
               </a:ext>
             </a:extLst>
           </p:cNvPr>
@@ -14638,7 +14533,7 @@
           <p:cNvPr id="279" name="テキスト ボックス 278">
             <a:extLst>
               <a:ext uri="{FF2B5EF4-FFF2-40B4-BE49-F238E27FC236}">
-                <a16:creationId xmlns="" xmlns:a16="http://schemas.microsoft.com/office/drawing/2014/main" id="{D70D5198-1D78-B1D3-6206-4F4363B90BB8}"/>
+                <a16:creationId xmlns:a16="http://schemas.microsoft.com/office/drawing/2014/main" xmlns="" id="{D70D5198-1D78-B1D3-6206-4F4363B90BB8}"/>
               </a:ext>
             </a:extLst>
           </p:cNvPr>
@@ -14688,7 +14583,7 @@
           <p:cNvPr id="7" name="図 6">
             <a:extLst>
               <a:ext uri="{FF2B5EF4-FFF2-40B4-BE49-F238E27FC236}">
-                <a16:creationId xmlns="" xmlns:a16="http://schemas.microsoft.com/office/drawing/2014/main" id="{874F4CA6-007E-80C5-DAD4-116A037F5599}"/>
+                <a16:creationId xmlns:a16="http://schemas.microsoft.com/office/drawing/2014/main" xmlns="" id="{874F4CA6-007E-80C5-DAD4-116A037F5599}"/>
               </a:ext>
             </a:extLst>
           </p:cNvPr>
@@ -14724,7 +14619,7 @@
           <p:cNvPr id="1026" name="Picture 2" descr="画像">
             <a:extLst>
               <a:ext uri="{FF2B5EF4-FFF2-40B4-BE49-F238E27FC236}">
-                <a16:creationId xmlns="" xmlns:a16="http://schemas.microsoft.com/office/drawing/2014/main" id="{494A0C35-5278-3D32-0491-CC68C6FE5D63}"/>
+                <a16:creationId xmlns:a16="http://schemas.microsoft.com/office/drawing/2014/main" xmlns="" id="{494A0C35-5278-3D32-0491-CC68C6FE5D63}"/>
               </a:ext>
             </a:extLst>
           </p:cNvPr>
